--- a/tests/data/test_slides.pptx
+++ b/tests/data/test_slides.pptx
@@ -3195,7 +3195,7 @@
 </file>
 
 <file path=ppt/slideLayouts/slideLayout1.xml><?xml version="1.0" encoding="utf-8"?>
-<p:sldLayout xmlns:a="http://schemas.openxmlformats.org/drawingml/2006/main" xmlns:r="http://schemas.openxmlformats.org/officeDocument/2006/relationships" xmlns:p="http://schemas.openxmlformats.org/presentationml/2006/main" preserve="1" userDrawn="1">
+<p:sldLayout xmlns:a="http://schemas.openxmlformats.org/drawingml/2006/main" xmlns:ns2="http://schemas.microsoft.com/office/drawing/2014/main" xmlns:ns3="http://schemas.microsoft.com/office/powerpoint/2010/main" xmlns:p="http://schemas.openxmlformats.org/presentationml/2006/main" preserve="1" userDrawn="1">
   <p:cSld name="manuscript2slides">
     <p:spTree>
       <p:nvGrpSpPr>
@@ -3216,7 +3216,7 @@
           <p:cNvPr id="3" name="Date Placeholder 2">
             <a:extLst>
               <a:ext uri="{FF2B5EF4-FFF2-40B4-BE49-F238E27FC236}">
-                <a16:creationId xmlns:a16="http://schemas.microsoft.com/office/drawing/2014/main" id="{8000513D-E995-1B16-AB26-1B43B826593E}"/>
+                <ns2:creationId id="{8000513D-E995-1B16-AB26-1B43B826593E}"/>
               </a:ext>
             </a:extLst>
           </p:cNvPr>
@@ -3245,7 +3245,7 @@
           <p:cNvPr id="4" name="Footer Placeholder 3">
             <a:extLst>
               <a:ext uri="{FF2B5EF4-FFF2-40B4-BE49-F238E27FC236}">
-                <a16:creationId xmlns:a16="http://schemas.microsoft.com/office/drawing/2014/main" id="{CD19D53E-B87C-FF06-8D45-A5FA5C879B99}"/>
+                <ns2:creationId id="{CD19D53E-B87C-FF06-8D45-A5FA5C879B99}"/>
               </a:ext>
             </a:extLst>
           </p:cNvPr>
@@ -3270,7 +3270,7 @@
           <p:cNvPr id="5" name="Slide Number Placeholder 4">
             <a:extLst>
               <a:ext uri="{FF2B5EF4-FFF2-40B4-BE49-F238E27FC236}">
-                <a16:creationId xmlns:a16="http://schemas.microsoft.com/office/drawing/2014/main" id="{629E4ABB-0E14-9DCA-53D9-B57B49DA3085}"/>
+                <ns2:creationId id="{629E4ABB-0E14-9DCA-53D9-B57B49DA3085}"/>
               </a:ext>
             </a:extLst>
           </p:cNvPr>
@@ -3299,7 +3299,7 @@
           <p:cNvPr id="6" name="Content Placeholder 2">
             <a:extLst>
               <a:ext uri="{FF2B5EF4-FFF2-40B4-BE49-F238E27FC236}">
-                <a16:creationId xmlns:a16="http://schemas.microsoft.com/office/drawing/2014/main" id="{25E7AE76-1742-3895-C2A2-0B99FED22B46}"/>
+                <ns2:creationId id="{25E7AE76-1742-3895-C2A2-0B99FED22B46}"/>
               </a:ext>
             </a:extLst>
           </p:cNvPr>
@@ -3327,9 +3327,9 @@
               </a:lnSpc>
               <a:buNone/>
               <a:defRPr sz="1800">
-                <a:latin typeface="Bookerly" panose="02020602040305020204" pitchFamily="18" charset="0"/>
-                <a:ea typeface="Bookerly" panose="02020602040305020204" pitchFamily="18" charset="0"/>
-                <a:cs typeface="Bookerly" panose="02020602040305020204" pitchFamily="18" charset="0"/>
+                <a:latin typeface="Times New Roman" panose="02020602040305020204" pitchFamily="18" charset="0"/>
+                <a:ea typeface="Times New Roman" panose="02020602040305020204" pitchFamily="18" charset="0"/>
+                <a:cs typeface="Times New Roman" panose="02020602040305020204" pitchFamily="18" charset="0"/>
               </a:defRPr>
             </a:lvl1pPr>
           </a:lstStyle>
@@ -3345,7 +3345,7 @@
     </p:spTree>
     <p:extLst>
       <p:ext uri="{BB962C8B-B14F-4D97-AF65-F5344CB8AC3E}">
-        <p14:creationId xmlns:p14="http://schemas.microsoft.com/office/powerpoint/2010/main" val="4085609035"/>
+        <ns3:creationId val="4085609035"/>
       </p:ext>
     </p:extLst>
   </p:cSld>
@@ -5848,7 +5848,7 @@
 </file>
 
 <file path=ppt/theme/theme1.xml><?xml version="1.0" encoding="utf-8"?>
-<a:theme xmlns:a="http://schemas.openxmlformats.org/drawingml/2006/main" name="Office Theme">
+<a:theme xmlns:a="http://schemas.openxmlformats.org/drawingml/2006/main" xmlns:ns1="http://schemas.microsoft.com/office/thememl/2012/main" name="Office Theme">
   <a:themeElements>
     <a:clrScheme name="Office">
       <a:dk1>
@@ -5890,12 +5890,12 @@
     </a:clrScheme>
     <a:fontScheme name="Custom 1">
       <a:majorFont>
-        <a:latin typeface="Bookerly"/>
+        <a:latin typeface="Times New Roman"/>
         <a:ea typeface=""/>
         <a:cs typeface=""/>
       </a:majorFont>
       <a:minorFont>
-        <a:latin typeface="Bookerly"/>
+        <a:latin typeface="Times New Roman"/>
         <a:ea typeface=""/>
         <a:cs typeface=""/>
       </a:minorFont>
@@ -6042,7 +6042,7 @@
   <a:extraClrSchemeLst/>
   <a:extLst>
     <a:ext uri="{05A4C25C-085E-4340-85A3-A5531E510DB2}">
-      <thm15:themeFamily xmlns:thm15="http://schemas.microsoft.com/office/thememl/2012/main" name="Office Theme" id="{62F939B6-93AF-4DB8-9C6B-D6C7DFDC589F}" vid="{4A3C46E8-61CC-4603-A589-7422A47A8E4A}"/>
+      <ns1:themeFamily name="Office Theme" id="{62F939B6-93AF-4DB8-9C6B-D6C7DFDC589F}" vid="{4A3C46E8-61CC-4603-A589-7422A47A8E4A}"/>
     </a:ext>
   </a:extLst>
 </a:theme>
